--- a/Files/Level 1 Loop flow.pptx
+++ b/Files/Level 1 Loop flow.pptx
@@ -5,13 +5,14 @@
     <p:sldMasterId id="2147483660" r:id="rId2"/>
   </p:sldMasterIdLst>
   <p:notesMasterIdLst>
-    <p:notesMasterId r:id="rId4"/>
+    <p:notesMasterId r:id="rId5"/>
   </p:notesMasterIdLst>
   <p:handoutMasterIdLst>
-    <p:handoutMasterId r:id="rId5"/>
+    <p:handoutMasterId r:id="rId6"/>
   </p:handoutMasterIdLst>
   <p:sldIdLst>
     <p:sldId id="264" r:id="rId3"/>
+    <p:sldId id="265" r:id="rId4"/>
   </p:sldIdLst>
   <p:sldSz cx="9144000" cy="6858000" type="screen4x3"/>
   <p:notesSz cx="6858000" cy="9144000"/>
@@ -211,7 +212,7 @@
           <a:p>
             <a:fld id="{DC0BE112-10A7-4BBE-91B9-1C357E127A24}" type="datetimeFigureOut">
               <a:rPr lang="en-US" smtClean="0"/>
-              <a:t>9/1/2020</a:t>
+              <a:t>9/15/2020</a:t>
             </a:fld>
             <a:endParaRPr lang="en-US"/>
           </a:p>
@@ -388,7 +389,7 @@
           <a:p>
             <a:fld id="{72984510-EBD7-4DD0-9EAB-33E0103038A4}" type="datetimeFigureOut">
               <a:rPr lang="en-US" smtClean="0"/>
-              <a:t>9/1/2020</a:t>
+              <a:t>9/15/2020</a:t>
             </a:fld>
             <a:endParaRPr lang="en-US"/>
           </a:p>
@@ -791,6 +792,139 @@
     <p:extLst>
       <p:ext uri="{BB962C8B-B14F-4D97-AF65-F5344CB8AC3E}">
         <p14:creationId xmlns:p14="http://schemas.microsoft.com/office/powerpoint/2010/main" val="1555580474"/>
+      </p:ext>
+    </p:extLst>
+  </p:cSld>
+  <p:clrMapOvr>
+    <a:masterClrMapping/>
+  </p:clrMapOvr>
+</p:notes>
+</file>
+
+<file path=ppt/notesSlides/notesSlide2.xml><?xml version="1.0" encoding="utf-8"?>
+<p:notes xmlns:a="http://schemas.openxmlformats.org/drawingml/2006/main" xmlns:r="http://schemas.openxmlformats.org/officeDocument/2006/relationships" xmlns:p="http://schemas.openxmlformats.org/presentationml/2006/main">
+  <p:cSld>
+    <p:spTree>
+      <p:nvGrpSpPr>
+        <p:cNvPr id="1" name=""/>
+        <p:cNvGrpSpPr/>
+        <p:nvPr/>
+      </p:nvGrpSpPr>
+      <p:grpSpPr>
+        <a:xfrm>
+          <a:off x="0" y="0"/>
+          <a:ext cx="0" cy="0"/>
+          <a:chOff x="0" y="0"/>
+          <a:chExt cx="0" cy="0"/>
+        </a:xfrm>
+      </p:grpSpPr>
+      <p:sp>
+        <p:nvSpPr>
+          <p:cNvPr id="2" name="Slide Image Placeholder 1"/>
+          <p:cNvSpPr>
+            <a:spLocks noGrp="1" noRot="1" noChangeAspect="1"/>
+          </p:cNvSpPr>
+          <p:nvPr>
+            <p:ph type="sldImg"/>
+          </p:nvPr>
+        </p:nvSpPr>
+        <p:spPr/>
+      </p:sp>
+      <p:sp>
+        <p:nvSpPr>
+          <p:cNvPr id="3" name="Notes Placeholder 2"/>
+          <p:cNvSpPr>
+            <a:spLocks noGrp="1"/>
+          </p:cNvSpPr>
+          <p:nvPr>
+            <p:ph type="body" idx="1"/>
+          </p:nvPr>
+        </p:nvSpPr>
+        <p:spPr/>
+        <p:txBody>
+          <a:bodyPr/>
+          <a:lstStyle/>
+          <a:p>
+            <a:endParaRPr lang="en-US"/>
+          </a:p>
+        </p:txBody>
+      </p:sp>
+      <p:sp>
+        <p:nvSpPr>
+          <p:cNvPr id="4" name="Header Placeholder 3"/>
+          <p:cNvSpPr>
+            <a:spLocks noGrp="1"/>
+          </p:cNvSpPr>
+          <p:nvPr>
+            <p:ph type="hdr" sz="quarter" idx="10"/>
+          </p:nvPr>
+        </p:nvSpPr>
+        <p:spPr/>
+        <p:txBody>
+          <a:bodyPr/>
+          <a:lstStyle/>
+          <a:p>
+            <a:endParaRPr lang="en-US"/>
+          </a:p>
+        </p:txBody>
+      </p:sp>
+      <p:sp>
+        <p:nvSpPr>
+          <p:cNvPr id="5" name="Footer Placeholder 4"/>
+          <p:cNvSpPr>
+            <a:spLocks noGrp="1"/>
+          </p:cNvSpPr>
+          <p:nvPr>
+            <p:ph type="ftr" sz="quarter" idx="11"/>
+            <p:custDataLst>
+              <p:tags r:id="rId1"/>
+            </p:custDataLst>
+          </p:nvPr>
+        </p:nvSpPr>
+        <p:spPr>
+          <a:xfrm>
+            <a:off x="0" y="8685213"/>
+            <a:ext cx="6858000" cy="458787"/>
+          </a:xfrm>
+        </p:spPr>
+        <p:txBody>
+          <a:bodyPr/>
+          <a:lstStyle/>
+          <a:p>
+            <a:r>
+              <a:rPr lang="en-US"/>
+              <a:t>Internal</a:t>
+            </a:r>
+          </a:p>
+        </p:txBody>
+      </p:sp>
+      <p:sp>
+        <p:nvSpPr>
+          <p:cNvPr id="6" name="Slide Number Placeholder 5"/>
+          <p:cNvSpPr>
+            <a:spLocks noGrp="1"/>
+          </p:cNvSpPr>
+          <p:nvPr>
+            <p:ph type="sldNum" sz="quarter" idx="12"/>
+          </p:nvPr>
+        </p:nvSpPr>
+        <p:spPr/>
+        <p:txBody>
+          <a:bodyPr/>
+          <a:lstStyle/>
+          <a:p>
+            <a:fld id="{68411AC2-7164-4381-B2AE-E162FDBE9A19}" type="slidenum">
+              <a:rPr lang="en-US" smtClean="0"/>
+              <a:t>2</a:t>
+            </a:fld>
+            <a:endParaRPr lang="en-US"/>
+          </a:p>
+        </p:txBody>
+      </p:sp>
+    </p:spTree>
+    <p:extLst>
+      <p:ext uri="{BB962C8B-B14F-4D97-AF65-F5344CB8AC3E}">
+        <p14:creationId xmlns:p14="http://schemas.microsoft.com/office/powerpoint/2010/main" val="894234712"/>
       </p:ext>
     </p:extLst>
   </p:cSld>
@@ -9005,8 +9139,8 @@
           </a:p>
         </p:txBody>
       </p:sp>
-      <mc:AlternateContent xmlns:mc="http://schemas.openxmlformats.org/markup-compatibility/2006">
-        <mc:Choice xmlns:a14="http://schemas.microsoft.com/office/drawing/2010/main" Requires="a14">
+      <mc:AlternateContent xmlns:mc="http://schemas.openxmlformats.org/markup-compatibility/2006" xmlns:a14="http://schemas.microsoft.com/office/drawing/2010/main">
+        <mc:Choice Requires="a14">
           <p:sp>
             <p:nvSpPr>
               <p:cNvPr id="17" name="Rectangle 16">
@@ -9212,7 +9346,7 @@
             </p:txBody>
           </p:sp>
         </mc:Choice>
-        <mc:Fallback>
+        <mc:Fallback xmlns="">
           <p:sp>
             <p:nvSpPr>
               <p:cNvPr id="17" name="Rectangle 16">
@@ -9258,8 +9392,8 @@
           </p:sp>
         </mc:Fallback>
       </mc:AlternateContent>
-      <mc:AlternateContent xmlns:mc="http://schemas.openxmlformats.org/markup-compatibility/2006">
-        <mc:Choice xmlns:a14="http://schemas.microsoft.com/office/drawing/2010/main" Requires="a14">
+      <mc:AlternateContent xmlns:mc="http://schemas.openxmlformats.org/markup-compatibility/2006" xmlns:a14="http://schemas.microsoft.com/office/drawing/2010/main">
+        <mc:Choice Requires="a14">
           <p:sp>
             <p:nvSpPr>
               <p:cNvPr id="18" name="Rectangle 17">
@@ -9487,7 +9621,7 @@
             </p:txBody>
           </p:sp>
         </mc:Choice>
-        <mc:Fallback>
+        <mc:Fallback xmlns="">
           <p:sp>
             <p:nvSpPr>
               <p:cNvPr id="18" name="Rectangle 17">
@@ -9533,8 +9667,8 @@
           </p:sp>
         </mc:Fallback>
       </mc:AlternateContent>
-      <mc:AlternateContent xmlns:mc="http://schemas.openxmlformats.org/markup-compatibility/2006">
-        <mc:Choice xmlns:a14="http://schemas.microsoft.com/office/drawing/2010/main" Requires="a14">
+      <mc:AlternateContent xmlns:mc="http://schemas.openxmlformats.org/markup-compatibility/2006" xmlns:a14="http://schemas.microsoft.com/office/drawing/2010/main">
+        <mc:Choice Requires="a14">
           <p:sp>
             <p:nvSpPr>
               <p:cNvPr id="19" name="Rectangle 18">
@@ -9816,7 +9950,7 @@
             </p:txBody>
           </p:sp>
         </mc:Choice>
-        <mc:Fallback>
+        <mc:Fallback xmlns="">
           <p:sp>
             <p:nvSpPr>
               <p:cNvPr id="19" name="Rectangle 18">
@@ -9862,8 +9996,8 @@
           </p:sp>
         </mc:Fallback>
       </mc:AlternateContent>
-      <mc:AlternateContent xmlns:mc="http://schemas.openxmlformats.org/markup-compatibility/2006">
-        <mc:Choice xmlns:a14="http://schemas.microsoft.com/office/drawing/2010/main" Requires="a14">
+      <mc:AlternateContent xmlns:mc="http://schemas.openxmlformats.org/markup-compatibility/2006" xmlns:a14="http://schemas.microsoft.com/office/drawing/2010/main">
+        <mc:Choice Requires="a14">
           <p:sp>
             <p:nvSpPr>
               <p:cNvPr id="20" name="Rectangle 19">
@@ -10091,7 +10225,7 @@
             </p:txBody>
           </p:sp>
         </mc:Choice>
-        <mc:Fallback>
+        <mc:Fallback xmlns="">
           <p:sp>
             <p:nvSpPr>
               <p:cNvPr id="20" name="Rectangle 19">
@@ -10137,8 +10271,8 @@
           </p:sp>
         </mc:Fallback>
       </mc:AlternateContent>
-      <mc:AlternateContent xmlns:mc="http://schemas.openxmlformats.org/markup-compatibility/2006">
-        <mc:Choice xmlns:a14="http://schemas.microsoft.com/office/drawing/2010/main" Requires="a14">
+      <mc:AlternateContent xmlns:mc="http://schemas.openxmlformats.org/markup-compatibility/2006" xmlns:a14="http://schemas.microsoft.com/office/drawing/2010/main">
+        <mc:Choice Requires="a14">
           <p:sp>
             <p:nvSpPr>
               <p:cNvPr id="21" name="Rectangle 20">
@@ -10511,7 +10645,7 @@
             </p:txBody>
           </p:sp>
         </mc:Choice>
-        <mc:Fallback>
+        <mc:Fallback xmlns="">
           <p:sp>
             <p:nvSpPr>
               <p:cNvPr id="21" name="Rectangle 20">
@@ -10557,8 +10691,8 @@
           </p:sp>
         </mc:Fallback>
       </mc:AlternateContent>
-      <mc:AlternateContent xmlns:mc="http://schemas.openxmlformats.org/markup-compatibility/2006">
-        <mc:Choice xmlns:a14="http://schemas.microsoft.com/office/drawing/2010/main" Requires="a14">
+      <mc:AlternateContent xmlns:mc="http://schemas.openxmlformats.org/markup-compatibility/2006" xmlns:a14="http://schemas.microsoft.com/office/drawing/2010/main">
+        <mc:Choice Requires="a14">
           <p:sp>
             <p:nvSpPr>
               <p:cNvPr id="23" name="Rectangle 22">
@@ -10840,7 +10974,7 @@
             </p:txBody>
           </p:sp>
         </mc:Choice>
-        <mc:Fallback>
+        <mc:Fallback xmlns="">
           <p:sp>
             <p:nvSpPr>
               <p:cNvPr id="23" name="Rectangle 22">
@@ -10886,8 +11020,8 @@
           </p:sp>
         </mc:Fallback>
       </mc:AlternateContent>
-      <mc:AlternateContent xmlns:mc="http://schemas.openxmlformats.org/markup-compatibility/2006">
-        <mc:Choice xmlns:a14="http://schemas.microsoft.com/office/drawing/2010/main" Requires="a14">
+      <mc:AlternateContent xmlns:mc="http://schemas.openxmlformats.org/markup-compatibility/2006" xmlns:a14="http://schemas.microsoft.com/office/drawing/2010/main">
+        <mc:Choice Requires="a14">
           <p:sp>
             <p:nvSpPr>
               <p:cNvPr id="24" name="Rectangle 23">
@@ -11120,7 +11254,7 @@
             </p:txBody>
           </p:sp>
         </mc:Choice>
-        <mc:Fallback>
+        <mc:Fallback xmlns="">
           <p:sp>
             <p:nvSpPr>
               <p:cNvPr id="24" name="Rectangle 23">
@@ -11166,8 +11300,8 @@
           </p:sp>
         </mc:Fallback>
       </mc:AlternateContent>
-      <mc:AlternateContent xmlns:mc="http://schemas.openxmlformats.org/markup-compatibility/2006">
-        <mc:Choice xmlns:a14="http://schemas.microsoft.com/office/drawing/2010/main" Requires="a14">
+      <mc:AlternateContent xmlns:mc="http://schemas.openxmlformats.org/markup-compatibility/2006" xmlns:a14="http://schemas.microsoft.com/office/drawing/2010/main">
+        <mc:Choice Requires="a14">
           <p:sp>
             <p:nvSpPr>
               <p:cNvPr id="26" name="Rectangle 25">
@@ -11359,7 +11493,7 @@
             </p:txBody>
           </p:sp>
         </mc:Choice>
-        <mc:Fallback>
+        <mc:Fallback xmlns="">
           <p:sp>
             <p:nvSpPr>
               <p:cNvPr id="26" name="Rectangle 25">
@@ -11405,8 +11539,8 @@
           </p:sp>
         </mc:Fallback>
       </mc:AlternateContent>
-      <mc:AlternateContent xmlns:mc="http://schemas.openxmlformats.org/markup-compatibility/2006">
-        <mc:Choice xmlns:a14="http://schemas.microsoft.com/office/drawing/2010/main" Requires="a14">
+      <mc:AlternateContent xmlns:mc="http://schemas.openxmlformats.org/markup-compatibility/2006" xmlns:a14="http://schemas.microsoft.com/office/drawing/2010/main">
+        <mc:Choice Requires="a14">
           <p:sp>
             <p:nvSpPr>
               <p:cNvPr id="27" name="Rectangle 26">
@@ -11615,7 +11749,7 @@
             </p:txBody>
           </p:sp>
         </mc:Choice>
-        <mc:Fallback>
+        <mc:Fallback xmlns="">
           <p:sp>
             <p:nvSpPr>
               <p:cNvPr id="27" name="Rectangle 26">
@@ -11661,8 +11795,8 @@
           </p:sp>
         </mc:Fallback>
       </mc:AlternateContent>
-      <mc:AlternateContent xmlns:mc="http://schemas.openxmlformats.org/markup-compatibility/2006">
-        <mc:Choice xmlns:a14="http://schemas.microsoft.com/office/drawing/2010/main" Requires="a14">
+      <mc:AlternateContent xmlns:mc="http://schemas.openxmlformats.org/markup-compatibility/2006" xmlns:a14="http://schemas.microsoft.com/office/drawing/2010/main">
+        <mc:Choice Requires="a14">
           <p:sp>
             <p:nvSpPr>
               <p:cNvPr id="28" name="Rectangle 27">
@@ -11821,7 +11955,7 @@
             </p:txBody>
           </p:sp>
         </mc:Choice>
-        <mc:Fallback>
+        <mc:Fallback xmlns="">
           <p:sp>
             <p:nvSpPr>
               <p:cNvPr id="28" name="Rectangle 27">
@@ -11867,8 +12001,8 @@
           </p:sp>
         </mc:Fallback>
       </mc:AlternateContent>
-      <mc:AlternateContent xmlns:mc="http://schemas.openxmlformats.org/markup-compatibility/2006">
-        <mc:Choice xmlns:a14="http://schemas.microsoft.com/office/drawing/2010/main" Requires="a14">
+      <mc:AlternateContent xmlns:mc="http://schemas.openxmlformats.org/markup-compatibility/2006" xmlns:a14="http://schemas.microsoft.com/office/drawing/2010/main">
+        <mc:Choice Requires="a14">
           <p:sp>
             <p:nvSpPr>
               <p:cNvPr id="30" name="Rectangle 29">
@@ -12203,7 +12337,7 @@
             </p:txBody>
           </p:sp>
         </mc:Choice>
-        <mc:Fallback>
+        <mc:Fallback xmlns="">
           <p:sp>
             <p:nvSpPr>
               <p:cNvPr id="30" name="Rectangle 29">
@@ -12249,8 +12383,8 @@
           </p:sp>
         </mc:Fallback>
       </mc:AlternateContent>
-      <mc:AlternateContent xmlns:mc="http://schemas.openxmlformats.org/markup-compatibility/2006">
-        <mc:Choice xmlns:a14="http://schemas.microsoft.com/office/drawing/2010/main" Requires="a14">
+      <mc:AlternateContent xmlns:mc="http://schemas.openxmlformats.org/markup-compatibility/2006" xmlns:a14="http://schemas.microsoft.com/office/drawing/2010/main">
+        <mc:Choice Requires="a14">
           <p:sp>
             <p:nvSpPr>
               <p:cNvPr id="31" name="Rectangle 30">
@@ -12362,7 +12496,7 @@
             </p:txBody>
           </p:sp>
         </mc:Choice>
-        <mc:Fallback>
+        <mc:Fallback xmlns="">
           <p:sp>
             <p:nvSpPr>
               <p:cNvPr id="31" name="Rectangle 30">
@@ -12408,8 +12542,8 @@
           </p:sp>
         </mc:Fallback>
       </mc:AlternateContent>
-      <mc:AlternateContent xmlns:mc="http://schemas.openxmlformats.org/markup-compatibility/2006">
-        <mc:Choice xmlns:a14="http://schemas.microsoft.com/office/drawing/2010/main" Requires="a14">
+      <mc:AlternateContent xmlns:mc="http://schemas.openxmlformats.org/markup-compatibility/2006" xmlns:a14="http://schemas.microsoft.com/office/drawing/2010/main">
+        <mc:Choice Requires="a14">
           <p:sp>
             <p:nvSpPr>
               <p:cNvPr id="32" name="Rectangle 31">
@@ -12568,7 +12702,7 @@
             </p:txBody>
           </p:sp>
         </mc:Choice>
-        <mc:Fallback>
+        <mc:Fallback xmlns="">
           <p:sp>
             <p:nvSpPr>
               <p:cNvPr id="32" name="Rectangle 31">
@@ -12614,8 +12748,8 @@
           </p:sp>
         </mc:Fallback>
       </mc:AlternateContent>
-      <mc:AlternateContent xmlns:mc="http://schemas.openxmlformats.org/markup-compatibility/2006">
-        <mc:Choice xmlns:a14="http://schemas.microsoft.com/office/drawing/2010/main" Requires="a14">
+      <mc:AlternateContent xmlns:mc="http://schemas.openxmlformats.org/markup-compatibility/2006" xmlns:a14="http://schemas.microsoft.com/office/drawing/2010/main">
+        <mc:Choice Requires="a14">
           <p:sp>
             <p:nvSpPr>
               <p:cNvPr id="33" name="Rectangle 32">
@@ -12777,7 +12911,7 @@
             </p:txBody>
           </p:sp>
         </mc:Choice>
-        <mc:Fallback>
+        <mc:Fallback xmlns="">
           <p:sp>
             <p:nvSpPr>
               <p:cNvPr id="33" name="Rectangle 32">
@@ -12823,8 +12957,8 @@
           </p:sp>
         </mc:Fallback>
       </mc:AlternateContent>
-      <mc:AlternateContent xmlns:mc="http://schemas.openxmlformats.org/markup-compatibility/2006">
-        <mc:Choice xmlns:a14="http://schemas.microsoft.com/office/drawing/2010/main" Requires="a14">
+      <mc:AlternateContent xmlns:mc="http://schemas.openxmlformats.org/markup-compatibility/2006" xmlns:a14="http://schemas.microsoft.com/office/drawing/2010/main">
+        <mc:Choice Requires="a14">
           <p:sp>
             <p:nvSpPr>
               <p:cNvPr id="34" name="Rectangle 33">
@@ -12952,7 +13086,7 @@
             </p:txBody>
           </p:sp>
         </mc:Choice>
-        <mc:Fallback>
+        <mc:Fallback xmlns="">
           <p:sp>
             <p:nvSpPr>
               <p:cNvPr id="34" name="Rectangle 33">
@@ -12998,8 +13132,8 @@
           </p:sp>
         </mc:Fallback>
       </mc:AlternateContent>
-      <mc:AlternateContent xmlns:mc="http://schemas.openxmlformats.org/markup-compatibility/2006">
-        <mc:Choice xmlns:a14="http://schemas.microsoft.com/office/drawing/2010/main" Requires="a14">
+      <mc:AlternateContent xmlns:mc="http://schemas.openxmlformats.org/markup-compatibility/2006" xmlns:a14="http://schemas.microsoft.com/office/drawing/2010/main">
+        <mc:Choice Requires="a14">
           <p:sp>
             <p:nvSpPr>
               <p:cNvPr id="35" name="Rectangle 34">
@@ -13158,7 +13292,7 @@
             </p:txBody>
           </p:sp>
         </mc:Choice>
-        <mc:Fallback>
+        <mc:Fallback xmlns="">
           <p:sp>
             <p:nvSpPr>
               <p:cNvPr id="35" name="Rectangle 34">
@@ -13204,8 +13338,8 @@
           </p:sp>
         </mc:Fallback>
       </mc:AlternateContent>
-      <mc:AlternateContent xmlns:mc="http://schemas.openxmlformats.org/markup-compatibility/2006">
-        <mc:Choice xmlns:a14="http://schemas.microsoft.com/office/drawing/2010/main" Requires="a14">
+      <mc:AlternateContent xmlns:mc="http://schemas.openxmlformats.org/markup-compatibility/2006" xmlns:a14="http://schemas.microsoft.com/office/drawing/2010/main">
+        <mc:Choice Requires="a14">
           <p:sp>
             <p:nvSpPr>
               <p:cNvPr id="36" name="Rectangle 35">
@@ -13409,7 +13543,7 @@
             </p:txBody>
           </p:sp>
         </mc:Choice>
-        <mc:Fallback>
+        <mc:Fallback xmlns="">
           <p:sp>
             <p:nvSpPr>
               <p:cNvPr id="36" name="Rectangle 35">
@@ -13455,8 +13589,8 @@
           </p:sp>
         </mc:Fallback>
       </mc:AlternateContent>
-      <mc:AlternateContent xmlns:mc="http://schemas.openxmlformats.org/markup-compatibility/2006">
-        <mc:Choice xmlns:a14="http://schemas.microsoft.com/office/drawing/2010/main" Requires="a14">
+      <mc:AlternateContent xmlns:mc="http://schemas.openxmlformats.org/markup-compatibility/2006" xmlns:a14="http://schemas.microsoft.com/office/drawing/2010/main">
+        <mc:Choice Requires="a14">
           <p:sp>
             <p:nvSpPr>
               <p:cNvPr id="37" name="Rectangle 36">
@@ -13795,7 +13929,7 @@
             </p:txBody>
           </p:sp>
         </mc:Choice>
-        <mc:Fallback>
+        <mc:Fallback xmlns="">
           <p:sp>
             <p:nvSpPr>
               <p:cNvPr id="37" name="Rectangle 36">
@@ -13841,8 +13975,8 @@
           </p:sp>
         </mc:Fallback>
       </mc:AlternateContent>
-      <mc:AlternateContent xmlns:mc="http://schemas.openxmlformats.org/markup-compatibility/2006">
-        <mc:Choice xmlns:a14="http://schemas.microsoft.com/office/drawing/2010/main" Requires="a14">
+      <mc:AlternateContent xmlns:mc="http://schemas.openxmlformats.org/markup-compatibility/2006" xmlns:a14="http://schemas.microsoft.com/office/drawing/2010/main">
+        <mc:Choice Requires="a14">
           <p:sp>
             <p:nvSpPr>
               <p:cNvPr id="38" name="Rectangle 37">
@@ -14294,7 +14428,7 @@
             </p:txBody>
           </p:sp>
         </mc:Choice>
-        <mc:Fallback>
+        <mc:Fallback xmlns="">
           <p:sp>
             <p:nvSpPr>
               <p:cNvPr id="38" name="Rectangle 37">
@@ -14340,8 +14474,8 @@
           </p:sp>
         </mc:Fallback>
       </mc:AlternateContent>
-      <mc:AlternateContent xmlns:mc="http://schemas.openxmlformats.org/markup-compatibility/2006">
-        <mc:Choice xmlns:a14="http://schemas.microsoft.com/office/drawing/2010/main" Requires="a14">
+      <mc:AlternateContent xmlns:mc="http://schemas.openxmlformats.org/markup-compatibility/2006" xmlns:a14="http://schemas.microsoft.com/office/drawing/2010/main">
+        <mc:Choice Requires="a14">
           <p:sp>
             <p:nvSpPr>
               <p:cNvPr id="39" name="Rectangle 38">
@@ -14550,7 +14684,7 @@
             </p:txBody>
           </p:sp>
         </mc:Choice>
-        <mc:Fallback>
+        <mc:Fallback xmlns="">
           <p:sp>
             <p:nvSpPr>
               <p:cNvPr id="39" name="Rectangle 38">
@@ -14596,8 +14730,8 @@
           </p:sp>
         </mc:Fallback>
       </mc:AlternateContent>
-      <mc:AlternateContent xmlns:mc="http://schemas.openxmlformats.org/markup-compatibility/2006">
-        <mc:Choice xmlns:a14="http://schemas.microsoft.com/office/drawing/2010/main" Requires="a14">
+      <mc:AlternateContent xmlns:mc="http://schemas.openxmlformats.org/markup-compatibility/2006" xmlns:a14="http://schemas.microsoft.com/office/drawing/2010/main">
+        <mc:Choice Requires="a14">
           <p:sp>
             <p:nvSpPr>
               <p:cNvPr id="40" name="Rectangle 39">
@@ -14846,7 +14980,7 @@
             </p:txBody>
           </p:sp>
         </mc:Choice>
-        <mc:Fallback>
+        <mc:Fallback xmlns="">
           <p:sp>
             <p:nvSpPr>
               <p:cNvPr id="40" name="Rectangle 39">
@@ -15125,8 +15259,8 @@
           </a:fontRef>
         </p:style>
       </p:cxnSp>
-      <mc:AlternateContent xmlns:mc="http://schemas.openxmlformats.org/markup-compatibility/2006">
-        <mc:Choice xmlns:a14="http://schemas.microsoft.com/office/drawing/2010/main" Requires="a14">
+      <mc:AlternateContent xmlns:mc="http://schemas.openxmlformats.org/markup-compatibility/2006" xmlns:a14="http://schemas.microsoft.com/office/drawing/2010/main">
+        <mc:Choice Requires="a14">
           <p:sp>
             <p:nvSpPr>
               <p:cNvPr id="60" name="Rectangle 59">
@@ -15238,7 +15372,7 @@
             </p:txBody>
           </p:sp>
         </mc:Choice>
-        <mc:Fallback>
+        <mc:Fallback xmlns="">
           <p:sp>
             <p:nvSpPr>
               <p:cNvPr id="60" name="Rectangle 59">
@@ -15932,8 +16066,8 @@
           </a:fontRef>
         </p:style>
       </p:cxnSp>
-      <mc:AlternateContent xmlns:mc="http://schemas.openxmlformats.org/markup-compatibility/2006">
-        <mc:Choice xmlns:a14="http://schemas.microsoft.com/office/drawing/2010/main" Requires="a14">
+      <mc:AlternateContent xmlns:mc="http://schemas.openxmlformats.org/markup-compatibility/2006" xmlns:a14="http://schemas.microsoft.com/office/drawing/2010/main">
+        <mc:Choice Requires="a14">
           <p:sp>
             <p:nvSpPr>
               <p:cNvPr id="112" name="Rectangle 111">
@@ -16092,7 +16226,7 @@
             </p:txBody>
           </p:sp>
         </mc:Choice>
-        <mc:Fallback>
+        <mc:Fallback xmlns="">
           <p:sp>
             <p:nvSpPr>
               <p:cNvPr id="112" name="Rectangle 111">
@@ -16642,6 +16776,745 @@
 </p:sld>
 </file>
 
+<file path=ppt/slides/slide2.xml><?xml version="1.0" encoding="utf-8"?>
+<p:sld xmlns:a="http://schemas.openxmlformats.org/drawingml/2006/main" xmlns:r="http://schemas.openxmlformats.org/officeDocument/2006/relationships" xmlns:p="http://schemas.openxmlformats.org/presentationml/2006/main">
+  <p:cSld>
+    <p:spTree>
+      <p:nvGrpSpPr>
+        <p:cNvPr id="1" name=""/>
+        <p:cNvGrpSpPr/>
+        <p:nvPr/>
+      </p:nvGrpSpPr>
+      <p:grpSpPr>
+        <a:xfrm>
+          <a:off x="0" y="0"/>
+          <a:ext cx="0" cy="0"/>
+          <a:chOff x="0" y="0"/>
+          <a:chExt cx="0" cy="0"/>
+        </a:xfrm>
+      </p:grpSpPr>
+      <p:sp>
+        <p:nvSpPr>
+          <p:cNvPr id="4" name="BJPseudoFooter"/>
+          <p:cNvSpPr txBox="1"/>
+          <p:nvPr>
+            <p:custDataLst>
+              <p:tags r:id="rId1"/>
+            </p:custDataLst>
+          </p:nvPr>
+        </p:nvSpPr>
+        <p:spPr>
+          <a:xfrm>
+            <a:off x="127000" y="6660634"/>
+            <a:ext cx="8890000" cy="184666"/>
+          </a:xfrm>
+          <a:prstGeom prst="rect">
+            <a:avLst/>
+          </a:prstGeom>
+          <a:noFill/>
+        </p:spPr>
+        <p:txBody>
+          <a:bodyPr vert="horz" rtlCol="0">
+            <a:spAutoFit/>
+          </a:bodyPr>
+          <a:lstStyle/>
+          <a:p>
+            <a:r>
+              <a:rPr lang="en-US" sz="600">
+                <a:solidFill>
+                  <a:srgbClr val="000000"/>
+                </a:solidFill>
+                <a:latin typeface="Verdana" panose="020B0604030504040204" pitchFamily="34" charset="0"/>
+              </a:rPr>
+              <a:t>Internal</a:t>
+            </a:r>
+          </a:p>
+        </p:txBody>
+      </p:sp>
+      <mc:AlternateContent xmlns:mc="http://schemas.openxmlformats.org/markup-compatibility/2006">
+        <mc:Choice xmlns:a14="http://schemas.microsoft.com/office/drawing/2010/main" Requires="a14">
+          <p:sp>
+            <p:nvSpPr>
+              <p:cNvPr id="10" name="Rectangle: Rounded Corners 9">
+                <a:extLst>
+                  <a:ext uri="{FF2B5EF4-FFF2-40B4-BE49-F238E27FC236}">
+                    <a16:creationId xmlns:a16="http://schemas.microsoft.com/office/drawing/2014/main" id="{9730BE27-7975-4297-B43F-B32AA9CB84F9}"/>
+                  </a:ext>
+                </a:extLst>
+              </p:cNvPr>
+              <p:cNvSpPr/>
+              <p:nvPr/>
+            </p:nvSpPr>
+            <p:spPr>
+              <a:xfrm>
+                <a:off x="441260" y="321214"/>
+                <a:ext cx="7020754" cy="323615"/>
+              </a:xfrm>
+              <a:prstGeom prst="roundRect">
+                <a:avLst/>
+              </a:prstGeom>
+              <a:solidFill>
+                <a:srgbClr val="2F4F4F"/>
+              </a:solidFill>
+              <a:ln/>
+            </p:spPr>
+            <p:style>
+              <a:lnRef idx="0">
+                <a:schemeClr val="accent1"/>
+              </a:lnRef>
+              <a:fillRef idx="3">
+                <a:schemeClr val="accent1"/>
+              </a:fillRef>
+              <a:effectRef idx="3">
+                <a:schemeClr val="accent1"/>
+              </a:effectRef>
+              <a:fontRef idx="minor">
+                <a:schemeClr val="lt1"/>
+              </a:fontRef>
+            </p:style>
+            <p:txBody>
+              <a:bodyPr rtlCol="0" anchor="ctr"/>
+              <a:lstStyle/>
+              <a:p>
+                <a:pPr algn="ctr"/>
+                <a14:m>
+                  <m:oMath xmlns:m="http://schemas.openxmlformats.org/officeDocument/2006/math">
+                    <m:sSub>
+                      <m:sSubPr>
+                        <m:ctrlPr>
+                          <a:rPr lang="en-US" sz="1200" i="1" smtClean="0">
+                            <a:solidFill>
+                              <a:schemeClr val="bg1"/>
+                            </a:solidFill>
+                            <a:latin typeface="Cambria Math" panose="02040503050406030204" pitchFamily="18" charset="0"/>
+                            <a:ea typeface="Cambria" panose="02040503050406030204" pitchFamily="18" charset="0"/>
+                          </a:rPr>
+                        </m:ctrlPr>
+                      </m:sSubPr>
+                      <m:e>
+                        <m:r>
+                          <a:rPr lang="en-US" sz="1200" i="1" smtClean="0">
+                            <a:solidFill>
+                              <a:schemeClr val="bg1"/>
+                            </a:solidFill>
+                            <a:latin typeface="Cambria Math" panose="02040503050406030204" pitchFamily="18" charset="0"/>
+                            <a:ea typeface="Cambria Math" panose="02040503050406030204" pitchFamily="18" charset="0"/>
+                          </a:rPr>
+                          <m:t>𝛼</m:t>
+                        </m:r>
+                      </m:e>
+                      <m:sub>
+                        <m:r>
+                          <a:rPr lang="en-US" sz="1200" b="0" i="1" smtClean="0">
+                            <a:solidFill>
+                              <a:schemeClr val="bg1"/>
+                            </a:solidFill>
+                            <a:latin typeface="Cambria Math" panose="02040503050406030204" pitchFamily="18" charset="0"/>
+                            <a:ea typeface="Cambria" panose="02040503050406030204" pitchFamily="18" charset="0"/>
+                          </a:rPr>
+                          <m:t>𝑤</m:t>
+                        </m:r>
+                      </m:sub>
+                    </m:sSub>
+                  </m:oMath>
+                </a14:m>
+                <a:r>
+                  <a:rPr lang="en-US" sz="1200" dirty="0">
+                    <a:solidFill>
+                      <a:schemeClr val="bg1"/>
+                    </a:solidFill>
+                    <a:latin typeface="Cambria" panose="02040503050406030204" pitchFamily="18" charset="0"/>
+                    <a:ea typeface="Cambria" panose="02040503050406030204" pitchFamily="18" charset="0"/>
+                  </a:rPr>
+                  <a:t> or </a:t>
+                </a:r>
+                <a14:m>
+                  <m:oMath xmlns:m="http://schemas.openxmlformats.org/officeDocument/2006/math">
+                    <m:sSub>
+                      <m:sSubPr>
+                        <m:ctrlPr>
+                          <a:rPr lang="en-US" sz="1200" i="1">
+                            <a:solidFill>
+                              <a:schemeClr val="bg1"/>
+                            </a:solidFill>
+                            <a:latin typeface="Cambria Math" panose="02040503050406030204" pitchFamily="18" charset="0"/>
+                            <a:ea typeface="Cambria" panose="02040503050406030204" pitchFamily="18" charset="0"/>
+                          </a:rPr>
+                        </m:ctrlPr>
+                      </m:sSubPr>
+                      <m:e>
+                        <m:r>
+                          <a:rPr lang="en-US" sz="1200" i="1">
+                            <a:solidFill>
+                              <a:schemeClr val="bg1"/>
+                            </a:solidFill>
+                            <a:latin typeface="Cambria Math" panose="02040503050406030204" pitchFamily="18" charset="0"/>
+                            <a:ea typeface="Cambria Math" panose="02040503050406030204" pitchFamily="18" charset="0"/>
+                          </a:rPr>
+                          <m:t>𝛼</m:t>
+                        </m:r>
+                      </m:e>
+                      <m:sub>
+                        <m:r>
+                          <a:rPr lang="en-US" sz="1200" b="0" i="1" smtClean="0">
+                            <a:solidFill>
+                              <a:schemeClr val="bg1"/>
+                            </a:solidFill>
+                            <a:latin typeface="Cambria Math" panose="02040503050406030204" pitchFamily="18" charset="0"/>
+                            <a:ea typeface="Cambria Math" panose="02040503050406030204" pitchFamily="18" charset="0"/>
+                          </a:rPr>
+                          <m:t>𝑐</m:t>
+                        </m:r>
+                      </m:sub>
+                    </m:sSub>
+                  </m:oMath>
+                </a14:m>
+                <a:r>
+                  <a:rPr lang="en-US" sz="1200" dirty="0">
+                    <a:solidFill>
+                      <a:schemeClr val="bg1"/>
+                    </a:solidFill>
+                    <a:latin typeface="Cambria" panose="02040503050406030204" pitchFamily="18" charset="0"/>
+                    <a:ea typeface="Cambria" panose="02040503050406030204" pitchFamily="18" charset="0"/>
+                  </a:rPr>
+                  <a:t> calculator</a:t>
+                </a:r>
+                <a:endParaRPr lang="en-GB" sz="1200" dirty="0">
+                  <a:solidFill>
+                    <a:schemeClr val="bg1"/>
+                  </a:solidFill>
+                  <a:latin typeface="Cambria" panose="02040503050406030204" pitchFamily="18" charset="0"/>
+                  <a:ea typeface="Cambria" panose="02040503050406030204" pitchFamily="18" charset="0"/>
+                </a:endParaRPr>
+              </a:p>
+            </p:txBody>
+          </p:sp>
+        </mc:Choice>
+        <mc:Fallback>
+          <p:sp>
+            <p:nvSpPr>
+              <p:cNvPr id="10" name="Rectangle: Rounded Corners 9">
+                <a:extLst>
+                  <a:ext uri="{FF2B5EF4-FFF2-40B4-BE49-F238E27FC236}">
+                    <a16:creationId xmlns:a16="http://schemas.microsoft.com/office/drawing/2014/main" id="{9730BE27-7975-4297-B43F-B32AA9CB84F9}"/>
+                  </a:ext>
+                </a:extLst>
+              </p:cNvPr>
+              <p:cNvSpPr>
+                <a:spLocks noRot="1" noChangeAspect="1" noMove="1" noResize="1" noEditPoints="1" noAdjustHandles="1" noChangeArrowheads="1" noChangeShapeType="1" noTextEdit="1"/>
+              </p:cNvSpPr>
+              <p:nvPr/>
+            </p:nvSpPr>
+            <p:spPr>
+              <a:xfrm>
+                <a:off x="441260" y="321214"/>
+                <a:ext cx="7020754" cy="323615"/>
+              </a:xfrm>
+              <a:prstGeom prst="roundRect">
+                <a:avLst/>
+              </a:prstGeom>
+              <a:blipFill>
+                <a:blip r:embed="rId4"/>
+                <a:stretch>
+                  <a:fillRect/>
+                </a:stretch>
+              </a:blipFill>
+              <a:ln/>
+            </p:spPr>
+            <p:txBody>
+              <a:bodyPr/>
+              <a:lstStyle/>
+              <a:p>
+                <a:r>
+                  <a:rPr lang="en-GB">
+                    <a:noFill/>
+                  </a:rPr>
+                  <a:t> </a:t>
+                </a:r>
+              </a:p>
+            </p:txBody>
+          </p:sp>
+        </mc:Fallback>
+      </mc:AlternateContent>
+      <mc:AlternateContent xmlns:mc="http://schemas.openxmlformats.org/markup-compatibility/2006">
+        <mc:Choice xmlns:a14="http://schemas.microsoft.com/office/drawing/2010/main" Requires="a14">
+          <p:sp>
+            <p:nvSpPr>
+              <p:cNvPr id="56" name="Rectangle 55">
+                <a:extLst>
+                  <a:ext uri="{FF2B5EF4-FFF2-40B4-BE49-F238E27FC236}">
+                    <a16:creationId xmlns:a16="http://schemas.microsoft.com/office/drawing/2014/main" id="{EDEBD3ED-72AA-43DB-A43A-0DC1ABCAD587}"/>
+                  </a:ext>
+                </a:extLst>
+              </p:cNvPr>
+              <p:cNvSpPr/>
+              <p:nvPr/>
+            </p:nvSpPr>
+            <p:spPr>
+              <a:xfrm>
+                <a:off x="1814070" y="969548"/>
+                <a:ext cx="457200" cy="307777"/>
+              </a:xfrm>
+              <a:prstGeom prst="rect">
+                <a:avLst/>
+              </a:prstGeom>
+              <a:solidFill>
+                <a:srgbClr val="FFE4C4"/>
+              </a:solidFill>
+              <a:ln/>
+            </p:spPr>
+            <p:style>
+              <a:lnRef idx="0">
+                <a:schemeClr val="accent1"/>
+              </a:lnRef>
+              <a:fillRef idx="3">
+                <a:schemeClr val="accent1"/>
+              </a:fillRef>
+              <a:effectRef idx="3">
+                <a:schemeClr val="accent1"/>
+              </a:effectRef>
+              <a:fontRef idx="minor">
+                <a:schemeClr val="lt1"/>
+              </a:fontRef>
+            </p:style>
+            <p:txBody>
+              <a:bodyPr rot="0" spcFirstLastPara="0" vertOverflow="overflow" horzOverflow="overflow" vert="horz" wrap="square" lIns="91440" tIns="45720" rIns="91440" bIns="45720" numCol="1" spcCol="0" rtlCol="0" fromWordArt="0" anchor="ctr" anchorCtr="0" forceAA="0" compatLnSpc="1">
+                <a:prstTxWarp prst="textNoShape">
+                  <a:avLst/>
+                </a:prstTxWarp>
+                <a:spAutoFit/>
+              </a:bodyPr>
+              <a:lstStyle/>
+              <a:p>
+                <a:pPr algn="ctr"/>
+                <a14:m>
+                  <m:oMath xmlns:m="http://schemas.openxmlformats.org/officeDocument/2006/math">
+                    <m:sSub>
+                      <m:sSubPr>
+                        <m:ctrlPr>
+                          <a:rPr lang="en-US" sz="1400" i="1" smtClean="0">
+                            <a:solidFill>
+                              <a:schemeClr val="tx1"/>
+                            </a:solidFill>
+                            <a:latin typeface="Cambria Math" panose="02040503050406030204" pitchFamily="18" charset="0"/>
+                            <a:ea typeface="Cambria" panose="02040503050406030204" pitchFamily="18" charset="0"/>
+                          </a:rPr>
+                        </m:ctrlPr>
+                      </m:sSubPr>
+                      <m:e>
+                        <m:r>
+                          <a:rPr lang="en-US" sz="1400" i="1" smtClean="0">
+                            <a:solidFill>
+                              <a:schemeClr val="tx1"/>
+                            </a:solidFill>
+                            <a:latin typeface="Cambria Math" panose="02040503050406030204" pitchFamily="18" charset="0"/>
+                            <a:ea typeface="Cambria Math" panose="02040503050406030204" pitchFamily="18" charset="0"/>
+                          </a:rPr>
+                          <m:t>𝛼</m:t>
+                        </m:r>
+                      </m:e>
+                      <m:sub>
+                        <m:r>
+                          <a:rPr lang="en-US" sz="1400" b="0" i="1" smtClean="0">
+                            <a:solidFill>
+                              <a:schemeClr val="tx1"/>
+                            </a:solidFill>
+                            <a:latin typeface="Cambria Math" panose="02040503050406030204" pitchFamily="18" charset="0"/>
+                            <a:ea typeface="Cambria Math" panose="02040503050406030204" pitchFamily="18" charset="0"/>
+                          </a:rPr>
+                          <m:t>𝑤</m:t>
+                        </m:r>
+                      </m:sub>
+                    </m:sSub>
+                  </m:oMath>
+                </a14:m>
+                <a:r>
+                  <a:rPr lang="en-GB" sz="1400" dirty="0">
+                    <a:solidFill>
+                      <a:schemeClr val="tx1"/>
+                    </a:solidFill>
+                    <a:latin typeface="Cambria" panose="02040503050406030204" pitchFamily="18" charset="0"/>
+                    <a:ea typeface="Cambria" panose="02040503050406030204" pitchFamily="18" charset="0"/>
+                  </a:rPr>
+                  <a:t> </a:t>
+                </a:r>
+              </a:p>
+            </p:txBody>
+          </p:sp>
+        </mc:Choice>
+        <mc:Fallback>
+          <p:sp>
+            <p:nvSpPr>
+              <p:cNvPr id="56" name="Rectangle 55">
+                <a:extLst>
+                  <a:ext uri="{FF2B5EF4-FFF2-40B4-BE49-F238E27FC236}">
+                    <a16:creationId xmlns:a16="http://schemas.microsoft.com/office/drawing/2014/main" id="{EDEBD3ED-72AA-43DB-A43A-0DC1ABCAD587}"/>
+                  </a:ext>
+                </a:extLst>
+              </p:cNvPr>
+              <p:cNvSpPr>
+                <a:spLocks noRot="1" noChangeAspect="1" noMove="1" noResize="1" noEditPoints="1" noAdjustHandles="1" noChangeArrowheads="1" noChangeShapeType="1" noTextEdit="1"/>
+              </p:cNvSpPr>
+              <p:nvPr/>
+            </p:nvSpPr>
+            <p:spPr>
+              <a:xfrm>
+                <a:off x="1814070" y="969548"/>
+                <a:ext cx="457200" cy="307777"/>
+              </a:xfrm>
+              <a:prstGeom prst="rect">
+                <a:avLst/>
+              </a:prstGeom>
+              <a:blipFill>
+                <a:blip r:embed="rId5"/>
+                <a:stretch>
+                  <a:fillRect/>
+                </a:stretch>
+              </a:blipFill>
+              <a:ln/>
+            </p:spPr>
+            <p:txBody>
+              <a:bodyPr/>
+              <a:lstStyle/>
+              <a:p>
+                <a:r>
+                  <a:rPr lang="en-GB">
+                    <a:noFill/>
+                  </a:rPr>
+                  <a:t> </a:t>
+                </a:r>
+              </a:p>
+            </p:txBody>
+          </p:sp>
+        </mc:Fallback>
+      </mc:AlternateContent>
+      <mc:AlternateContent xmlns:mc="http://schemas.openxmlformats.org/markup-compatibility/2006">
+        <mc:Choice xmlns:a14="http://schemas.microsoft.com/office/drawing/2010/main" Requires="a14">
+          <p:sp>
+            <p:nvSpPr>
+              <p:cNvPr id="57" name="Rectangle 56">
+                <a:extLst>
+                  <a:ext uri="{FF2B5EF4-FFF2-40B4-BE49-F238E27FC236}">
+                    <a16:creationId xmlns:a16="http://schemas.microsoft.com/office/drawing/2014/main" id="{69509671-1285-47CA-8807-D384BC35674A}"/>
+                  </a:ext>
+                </a:extLst>
+              </p:cNvPr>
+              <p:cNvSpPr/>
+              <p:nvPr/>
+            </p:nvSpPr>
+            <p:spPr>
+              <a:xfrm>
+                <a:off x="6327760" y="958763"/>
+                <a:ext cx="457200" cy="307777"/>
+              </a:xfrm>
+              <a:prstGeom prst="rect">
+                <a:avLst/>
+              </a:prstGeom>
+              <a:solidFill>
+                <a:srgbClr val="FFE4C4"/>
+              </a:solidFill>
+              <a:ln/>
+            </p:spPr>
+            <p:style>
+              <a:lnRef idx="0">
+                <a:schemeClr val="accent1"/>
+              </a:lnRef>
+              <a:fillRef idx="3">
+                <a:schemeClr val="accent1"/>
+              </a:fillRef>
+              <a:effectRef idx="3">
+                <a:schemeClr val="accent1"/>
+              </a:effectRef>
+              <a:fontRef idx="minor">
+                <a:schemeClr val="lt1"/>
+              </a:fontRef>
+            </p:style>
+            <p:txBody>
+              <a:bodyPr rot="0" spcFirstLastPara="0" vertOverflow="overflow" horzOverflow="overflow" vert="horz" wrap="square" lIns="91440" tIns="45720" rIns="91440" bIns="45720" numCol="1" spcCol="0" rtlCol="0" fromWordArt="0" anchor="ctr" anchorCtr="0" forceAA="0" compatLnSpc="1">
+                <a:prstTxWarp prst="textNoShape">
+                  <a:avLst/>
+                </a:prstTxWarp>
+                <a:spAutoFit/>
+              </a:bodyPr>
+              <a:lstStyle/>
+              <a:p>
+                <a:pPr algn="ctr"/>
+                <a14:m>
+                  <m:oMath xmlns:m="http://schemas.openxmlformats.org/officeDocument/2006/math">
+                    <m:sSub>
+                      <m:sSubPr>
+                        <m:ctrlPr>
+                          <a:rPr lang="en-US" sz="1400" i="1" smtClean="0">
+                            <a:solidFill>
+                              <a:schemeClr val="tx1"/>
+                            </a:solidFill>
+                            <a:latin typeface="Cambria Math" panose="02040503050406030204" pitchFamily="18" charset="0"/>
+                            <a:ea typeface="Cambria" panose="02040503050406030204" pitchFamily="18" charset="0"/>
+                          </a:rPr>
+                        </m:ctrlPr>
+                      </m:sSubPr>
+                      <m:e>
+                        <m:r>
+                          <a:rPr lang="en-US" sz="1400" i="1" smtClean="0">
+                            <a:solidFill>
+                              <a:schemeClr val="tx1"/>
+                            </a:solidFill>
+                            <a:latin typeface="Cambria Math" panose="02040503050406030204" pitchFamily="18" charset="0"/>
+                            <a:ea typeface="Cambria Math" panose="02040503050406030204" pitchFamily="18" charset="0"/>
+                          </a:rPr>
+                          <m:t>𝛼</m:t>
+                        </m:r>
+                      </m:e>
+                      <m:sub>
+                        <m:r>
+                          <a:rPr lang="en-US" sz="1400" b="0" i="1" smtClean="0">
+                            <a:solidFill>
+                              <a:schemeClr val="tx1"/>
+                            </a:solidFill>
+                            <a:latin typeface="Cambria Math" panose="02040503050406030204" pitchFamily="18" charset="0"/>
+                            <a:ea typeface="Cambria Math" panose="02040503050406030204" pitchFamily="18" charset="0"/>
+                          </a:rPr>
+                          <m:t>𝑐</m:t>
+                        </m:r>
+                      </m:sub>
+                    </m:sSub>
+                  </m:oMath>
+                </a14:m>
+                <a:r>
+                  <a:rPr lang="en-GB" sz="1400" dirty="0">
+                    <a:solidFill>
+                      <a:schemeClr val="tx1"/>
+                    </a:solidFill>
+                    <a:latin typeface="Cambria" panose="02040503050406030204" pitchFamily="18" charset="0"/>
+                    <a:ea typeface="Cambria" panose="02040503050406030204" pitchFamily="18" charset="0"/>
+                  </a:rPr>
+                  <a:t> </a:t>
+                </a:r>
+              </a:p>
+            </p:txBody>
+          </p:sp>
+        </mc:Choice>
+        <mc:Fallback>
+          <p:sp>
+            <p:nvSpPr>
+              <p:cNvPr id="57" name="Rectangle 56">
+                <a:extLst>
+                  <a:ext uri="{FF2B5EF4-FFF2-40B4-BE49-F238E27FC236}">
+                    <a16:creationId xmlns:a16="http://schemas.microsoft.com/office/drawing/2014/main" id="{69509671-1285-47CA-8807-D384BC35674A}"/>
+                  </a:ext>
+                </a:extLst>
+              </p:cNvPr>
+              <p:cNvSpPr>
+                <a:spLocks noRot="1" noChangeAspect="1" noMove="1" noResize="1" noEditPoints="1" noAdjustHandles="1" noChangeArrowheads="1" noChangeShapeType="1" noTextEdit="1"/>
+              </p:cNvSpPr>
+              <p:nvPr/>
+            </p:nvSpPr>
+            <p:spPr>
+              <a:xfrm>
+                <a:off x="6327760" y="958763"/>
+                <a:ext cx="457200" cy="307777"/>
+              </a:xfrm>
+              <a:prstGeom prst="rect">
+                <a:avLst/>
+              </a:prstGeom>
+              <a:blipFill>
+                <a:blip r:embed="rId6"/>
+                <a:stretch>
+                  <a:fillRect/>
+                </a:stretch>
+              </a:blipFill>
+              <a:ln/>
+            </p:spPr>
+            <p:txBody>
+              <a:bodyPr/>
+              <a:lstStyle/>
+              <a:p>
+                <a:r>
+                  <a:rPr lang="en-GB">
+                    <a:noFill/>
+                  </a:rPr>
+                  <a:t> </a:t>
+                </a:r>
+              </a:p>
+            </p:txBody>
+          </p:sp>
+        </mc:Fallback>
+      </mc:AlternateContent>
+      <mc:AlternateContent xmlns:mc="http://schemas.openxmlformats.org/markup-compatibility/2006">
+        <mc:Choice xmlns:a14="http://schemas.microsoft.com/office/drawing/2010/main" Requires="a14">
+          <p:sp>
+            <p:nvSpPr>
+              <p:cNvPr id="58" name="Rectangle 57">
+                <a:extLst>
+                  <a:ext uri="{FF2B5EF4-FFF2-40B4-BE49-F238E27FC236}">
+                    <a16:creationId xmlns:a16="http://schemas.microsoft.com/office/drawing/2014/main" id="{61127731-1671-4968-BB59-6C5454B5A419}"/>
+                  </a:ext>
+                </a:extLst>
+              </p:cNvPr>
+              <p:cNvSpPr/>
+              <p:nvPr/>
+            </p:nvSpPr>
+            <p:spPr>
+              <a:xfrm>
+                <a:off x="1466598" y="1663590"/>
+                <a:ext cx="1152144" cy="246221"/>
+              </a:xfrm>
+              <a:prstGeom prst="rect">
+                <a:avLst/>
+              </a:prstGeom>
+              <a:solidFill>
+                <a:srgbClr val="FFE4C4"/>
+              </a:solidFill>
+              <a:ln/>
+            </p:spPr>
+            <p:style>
+              <a:lnRef idx="0">
+                <a:schemeClr val="accent1"/>
+              </a:lnRef>
+              <a:fillRef idx="3">
+                <a:schemeClr val="accent1"/>
+              </a:fillRef>
+              <a:effectRef idx="3">
+                <a:schemeClr val="accent1"/>
+              </a:effectRef>
+              <a:fontRef idx="minor">
+                <a:schemeClr val="lt1"/>
+              </a:fontRef>
+            </p:style>
+            <p:txBody>
+              <a:bodyPr rot="0" spcFirstLastPara="0" vertOverflow="overflow" horzOverflow="overflow" vert="horz" wrap="square" lIns="91440" tIns="45720" rIns="91440" bIns="45720" numCol="1" spcCol="0" rtlCol="0" fromWordArt="0" anchor="ctr" anchorCtr="0" forceAA="0" compatLnSpc="1">
+                <a:prstTxWarp prst="textNoShape">
+                  <a:avLst/>
+                </a:prstTxWarp>
+                <a:spAutoFit/>
+              </a:bodyPr>
+              <a:lstStyle/>
+              <a:p>
+                <a:pPr algn="ctr"/>
+                <a14:m>
+                  <m:oMath xmlns:m="http://schemas.openxmlformats.org/officeDocument/2006/math">
+                    <m:sSub>
+                      <m:sSubPr>
+                        <m:ctrlPr>
+                          <a:rPr lang="en-US" sz="1000" i="1" smtClean="0">
+                            <a:solidFill>
+                              <a:schemeClr val="tx1"/>
+                            </a:solidFill>
+                            <a:latin typeface="Cambria Math" panose="02040503050406030204" pitchFamily="18" charset="0"/>
+                            <a:ea typeface="Cambria" panose="02040503050406030204" pitchFamily="18" charset="0"/>
+                          </a:rPr>
+                        </m:ctrlPr>
+                      </m:sSubPr>
+                      <m:e>
+                        <m:r>
+                          <a:rPr lang="en-US" sz="1000" b="0" i="1" smtClean="0">
+                            <a:solidFill>
+                              <a:schemeClr val="tx1"/>
+                            </a:solidFill>
+                            <a:latin typeface="Cambria Math" panose="02040503050406030204" pitchFamily="18" charset="0"/>
+                            <a:ea typeface="Cambria" panose="02040503050406030204" pitchFamily="18" charset="0"/>
+                          </a:rPr>
+                          <m:t>𝑑</m:t>
+                        </m:r>
+                      </m:e>
+                      <m:sub>
+                        <m:r>
+                          <a:rPr lang="en-US" sz="1000" b="0" i="1" smtClean="0">
+                            <a:solidFill>
+                              <a:schemeClr val="tx1"/>
+                            </a:solidFill>
+                            <a:latin typeface="Cambria Math" panose="02040503050406030204" pitchFamily="18" charset="0"/>
+                            <a:ea typeface="Cambria Math" panose="02040503050406030204" pitchFamily="18" charset="0"/>
+                          </a:rPr>
+                          <m:t>h</m:t>
+                        </m:r>
+                      </m:sub>
+                    </m:sSub>
+                    <m:r>
+                      <a:rPr lang="en-US" sz="1000" b="0" i="1" smtClean="0">
+                        <a:solidFill>
+                          <a:schemeClr val="tx1"/>
+                        </a:solidFill>
+                        <a:latin typeface="Cambria Math" panose="02040503050406030204" pitchFamily="18" charset="0"/>
+                        <a:ea typeface="Cambria" panose="02040503050406030204" pitchFamily="18" charset="0"/>
+                      </a:rPr>
+                      <m:t>=</m:t>
+                    </m:r>
+                  </m:oMath>
+                </a14:m>
+                <a:r>
+                  <a:rPr lang="en-GB" sz="1000" dirty="0">
+                    <a:solidFill>
+                      <a:schemeClr val="tx1"/>
+                    </a:solidFill>
+                    <a:latin typeface="Cambria" panose="02040503050406030204" pitchFamily="18" charset="0"/>
+                    <a:ea typeface="Cambria" panose="02040503050406030204" pitchFamily="18" charset="0"/>
+                  </a:rPr>
+                  <a:t> </a:t>
+                </a:r>
+              </a:p>
+            </p:txBody>
+          </p:sp>
+        </mc:Choice>
+        <mc:Fallback>
+          <p:sp>
+            <p:nvSpPr>
+              <p:cNvPr id="58" name="Rectangle 57">
+                <a:extLst>
+                  <a:ext uri="{FF2B5EF4-FFF2-40B4-BE49-F238E27FC236}">
+                    <a16:creationId xmlns:a16="http://schemas.microsoft.com/office/drawing/2014/main" id="{61127731-1671-4968-BB59-6C5454B5A419}"/>
+                  </a:ext>
+                </a:extLst>
+              </p:cNvPr>
+              <p:cNvSpPr>
+                <a:spLocks noRot="1" noChangeAspect="1" noMove="1" noResize="1" noEditPoints="1" noAdjustHandles="1" noChangeArrowheads="1" noChangeShapeType="1" noTextEdit="1"/>
+              </p:cNvSpPr>
+              <p:nvPr/>
+            </p:nvSpPr>
+            <p:spPr>
+              <a:xfrm>
+                <a:off x="1466598" y="1663590"/>
+                <a:ext cx="1152144" cy="246221"/>
+              </a:xfrm>
+              <a:prstGeom prst="rect">
+                <a:avLst/>
+              </a:prstGeom>
+              <a:blipFill>
+                <a:blip r:embed="rId7"/>
+                <a:stretch>
+                  <a:fillRect/>
+                </a:stretch>
+              </a:blipFill>
+              <a:ln/>
+            </p:spPr>
+            <p:txBody>
+              <a:bodyPr/>
+              <a:lstStyle/>
+              <a:p>
+                <a:r>
+                  <a:rPr lang="en-GB">
+                    <a:noFill/>
+                  </a:rPr>
+                  <a:t> </a:t>
+                </a:r>
+              </a:p>
+            </p:txBody>
+          </p:sp>
+        </mc:Fallback>
+      </mc:AlternateContent>
+    </p:spTree>
+    <p:extLst>
+      <p:ext uri="{BB962C8B-B14F-4D97-AF65-F5344CB8AC3E}">
+        <p14:creationId xmlns:p14="http://schemas.microsoft.com/office/powerpoint/2010/main" val="3734858408"/>
+      </p:ext>
+    </p:extLst>
+  </p:cSld>
+  <p:clrMapOvr>
+    <a:masterClrMapping/>
+  </p:clrMapOvr>
+</p:sld>
+</file>
+
 <file path=ppt/tags/tag1.xml><?xml version="1.0" encoding="utf-8"?>
 <p:tagLst xmlns:a="http://schemas.openxmlformats.org/drawingml/2006/main" xmlns:r="http://schemas.openxmlformats.org/officeDocument/2006/relationships" xmlns:p="http://schemas.openxmlformats.org/presentationml/2006/main">
   <p:tag name="BJHEADERFOOTERLABEL" val="TRUE"/>
@@ -16661,6 +17534,18 @@
 </file>
 
 <file path=ppt/tags/tag4.xml><?xml version="1.0" encoding="utf-8"?>
+<p:tagLst xmlns:a="http://schemas.openxmlformats.org/drawingml/2006/main" xmlns:r="http://schemas.openxmlformats.org/officeDocument/2006/relationships" xmlns:p="http://schemas.openxmlformats.org/presentationml/2006/main">
+  <p:tag name="BJHEADERFOOTERLABEL" val="TRUE"/>
+</p:tagLst>
+</file>
+
+<file path=ppt/tags/tag5.xml><?xml version="1.0" encoding="utf-8"?>
+<p:tagLst xmlns:a="http://schemas.openxmlformats.org/drawingml/2006/main" xmlns:r="http://schemas.openxmlformats.org/officeDocument/2006/relationships" xmlns:p="http://schemas.openxmlformats.org/presentationml/2006/main">
+  <p:tag name="BJHEADERFOOTERLABEL" val="TRUE"/>
+</p:tagLst>
+</file>
+
+<file path=ppt/tags/tag6.xml><?xml version="1.0" encoding="utf-8"?>
 <p:tagLst xmlns:a="http://schemas.openxmlformats.org/drawingml/2006/main" xmlns:r="http://schemas.openxmlformats.org/officeDocument/2006/relationships" xmlns:p="http://schemas.openxmlformats.org/presentationml/2006/main">
   <p:tag name="BJHEADERFOOTERLABEL" val="TRUE"/>
 </p:tagLst>
@@ -17458,7 +18343,7 @@
 </file>
 
 <file path=customXml/itemProps1.xml><?xml version="1.0" encoding="utf-8"?>
-<ds:datastoreItem xmlns:ds="http://schemas.openxmlformats.org/officeDocument/2006/customXml" ds:itemID="{9168EA8A-5857-48AE-9D40-134F335D916D}">
+<ds:datastoreItem xmlns:ds="http://schemas.openxmlformats.org/officeDocument/2006/customXml" ds:itemID="{BB4E1547-733E-4CB4-A810-D5B49BCC0AA2}">
   <ds:schemaRefs>
     <ds:schemaRef ds:uri="http://www.w3.org/2001/XMLSchema"/>
     <ds:schemaRef ds:uri="http://www.boldonjames.com/2008/01/sie/internal/label"/>
